--- a/Store Sales Forecasting-final (2).pptx
+++ b/Store Sales Forecasting-final (2).pptx
@@ -14716,7 +14716,7 @@
           <a:p>
             <a:fld id="{FE34CE13-083E-4842-A8D3-E244CD160FF4}" type="datetimeFigureOut">
               <a:rPr lang="en-US" smtClean="0"/>
-              <a:t>8/30/2023</a:t>
+              <a:t>8/31/2023</a:t>
             </a:fld>
             <a:endParaRPr lang="en-US"/>
           </a:p>
@@ -15485,7 +15485,7 @@
           <a:p>
             <a:fld id="{48A87A34-81AB-432B-8DAE-1953F412C126}" type="datetimeFigureOut">
               <a:rPr lang="en-US" smtClean="0"/>
-              <a:t>8/30/2023</a:t>
+              <a:t>8/31/2023</a:t>
             </a:fld>
             <a:endParaRPr lang="en-US" dirty="0"/>
           </a:p>
@@ -15784,7 +15784,7 @@
           <a:p>
             <a:fld id="{17320990-2A56-4F17-81A9-C9CCB6D51372}" type="datetime1">
               <a:rPr lang="en-US" smtClean="0"/>
-              <a:t>8/30/2023</a:t>
+              <a:t>8/31/2023</a:t>
             </a:fld>
             <a:endParaRPr lang="en-US"/>
           </a:p>
@@ -16036,7 +16036,7 @@
           <a:p>
             <a:fld id="{17320990-2A56-4F17-81A9-C9CCB6D51372}" type="datetime1">
               <a:rPr lang="en-US" smtClean="0"/>
-              <a:t>8/30/2023</a:t>
+              <a:t>8/31/2023</a:t>
             </a:fld>
             <a:endParaRPr lang="en-US"/>
           </a:p>
@@ -16580,7 +16580,7 @@
           <a:p>
             <a:fld id="{17320990-2A56-4F17-81A9-C9CCB6D51372}" type="datetime1">
               <a:rPr lang="en-US" smtClean="0"/>
-              <a:t>8/30/2023</a:t>
+              <a:t>8/31/2023</a:t>
             </a:fld>
             <a:endParaRPr lang="en-US"/>
           </a:p>
@@ -16832,7 +16832,7 @@
           <a:p>
             <a:fld id="{17320990-2A56-4F17-81A9-C9CCB6D51372}" type="datetime1">
               <a:rPr lang="en-US" smtClean="0"/>
-              <a:t>8/30/2023</a:t>
+              <a:t>8/31/2023</a:t>
             </a:fld>
             <a:endParaRPr lang="en-US"/>
           </a:p>
@@ -17368,7 +17368,7 @@
           <a:p>
             <a:fld id="{17320990-2A56-4F17-81A9-C9CCB6D51372}" type="datetime1">
               <a:rPr lang="en-US" smtClean="0"/>
-              <a:t>8/30/2023</a:t>
+              <a:t>8/31/2023</a:t>
             </a:fld>
             <a:endParaRPr lang="en-US"/>
           </a:p>
@@ -17669,7 +17669,7 @@
           <a:p>
             <a:fld id="{17320990-2A56-4F17-81A9-C9CCB6D51372}" type="datetime1">
               <a:rPr lang="en-US" smtClean="0"/>
-              <a:t>8/30/2023</a:t>
+              <a:t>8/31/2023</a:t>
             </a:fld>
             <a:endParaRPr lang="en-US"/>
           </a:p>
@@ -17847,7 +17847,7 @@
           <a:p>
             <a:fld id="{17320990-2A56-4F17-81A9-C9CCB6D51372}" type="datetime1">
               <a:rPr lang="en-US" smtClean="0"/>
-              <a:t>8/30/2023</a:t>
+              <a:t>8/31/2023</a:t>
             </a:fld>
             <a:endParaRPr lang="en-US"/>
           </a:p>
@@ -18031,7 +18031,7 @@
           <a:p>
             <a:fld id="{17320990-2A56-4F17-81A9-C9CCB6D51372}" type="datetime1">
               <a:rPr lang="en-US" smtClean="0"/>
-              <a:t>8/30/2023</a:t>
+              <a:t>8/31/2023</a:t>
             </a:fld>
             <a:endParaRPr lang="en-US"/>
           </a:p>
@@ -18205,7 +18205,7 @@
           <a:p>
             <a:fld id="{48A87A34-81AB-432B-8DAE-1953F412C126}" type="datetimeFigureOut">
               <a:rPr lang="en-US" smtClean="0"/>
-              <a:t>8/30/2023</a:t>
+              <a:t>8/31/2023</a:t>
             </a:fld>
             <a:endParaRPr lang="en-US" dirty="0"/>
           </a:p>
@@ -18460,7 +18460,7 @@
             <a:fld id="{48A87A34-81AB-432B-8DAE-1953F412C126}" type="datetimeFigureOut">
               <a:rPr lang="en-US" smtClean="0"/>
               <a:pPr/>
-              <a:t>8/30/2023</a:t>
+              <a:t>8/31/2023</a:t>
             </a:fld>
             <a:endParaRPr lang="en-US" dirty="0"/>
           </a:p>
@@ -18760,7 +18760,7 @@
           <a:p>
             <a:fld id="{17320990-2A56-4F17-81A9-C9CCB6D51372}" type="datetime1">
               <a:rPr lang="en-US" smtClean="0"/>
-              <a:t>8/30/2023</a:t>
+              <a:t>8/31/2023</a:t>
             </a:fld>
             <a:endParaRPr lang="en-US"/>
           </a:p>
@@ -19206,7 +19206,7 @@
           <a:p>
             <a:fld id="{17320990-2A56-4F17-81A9-C9CCB6D51372}" type="datetime1">
               <a:rPr lang="en-US" smtClean="0"/>
-              <a:t>8/30/2023</a:t>
+              <a:t>8/31/2023</a:t>
             </a:fld>
             <a:endParaRPr lang="en-US"/>
           </a:p>
@@ -19328,7 +19328,7 @@
           <a:p>
             <a:fld id="{20C6D43A-AEE2-4EA3-9B9B-1C3EBE2AFAEC}" type="datetime1">
               <a:rPr lang="en-US" smtClean="0"/>
-              <a:t>8/30/2023</a:t>
+              <a:t>8/31/2023</a:t>
             </a:fld>
             <a:endParaRPr lang="en-US"/>
           </a:p>
@@ -19426,7 +19426,7 @@
           <a:p>
             <a:fld id="{B75FA5D3-36FB-43C0-A178-4A960D216552}" type="datetime1">
               <a:rPr lang="en-US" smtClean="0"/>
-              <a:t>8/30/2023</a:t>
+              <a:t>8/31/2023</a:t>
             </a:fld>
             <a:endParaRPr lang="en-US"/>
           </a:p>
@@ -19712,7 +19712,7 @@
           <a:p>
             <a:fld id="{74D0B34D-A332-49A5-B83A-2DDAA4EEDD56}" type="datetime1">
               <a:rPr lang="en-US" smtClean="0"/>
-              <a:t>8/30/2023</a:t>
+              <a:t>8/31/2023</a:t>
             </a:fld>
             <a:endParaRPr lang="en-US"/>
           </a:p>
@@ -20006,7 +20006,7 @@
           <a:p>
             <a:fld id="{C325CEB3-285B-46BE-AD4B-71C1C85A94BF}" type="datetime1">
               <a:rPr lang="en-US" smtClean="0"/>
-              <a:t>8/30/2023</a:t>
+              <a:t>8/31/2023</a:t>
             </a:fld>
             <a:endParaRPr lang="en-US"/>
           </a:p>
@@ -20539,7 +20539,7 @@
           <a:p>
             <a:fld id="{17320990-2A56-4F17-81A9-C9CCB6D51372}" type="datetime1">
               <a:rPr lang="en-US" smtClean="0"/>
-              <a:t>8/30/2023</a:t>
+              <a:t>8/31/2023</a:t>
             </a:fld>
             <a:endParaRPr lang="en-US"/>
           </a:p>
@@ -30875,37 +30875,26 @@
       </p:sp>
       <p:pic>
         <p:nvPicPr>
-          <p:cNvPr id="9" name="Content Placeholder 8">
-            <a:extLst>
-              <a:ext uri="{FF2B5EF4-FFF2-40B4-BE49-F238E27FC236}">
-                <a16:creationId xmlns:a16="http://schemas.microsoft.com/office/drawing/2014/main" id="{73256AED-AEB8-8F7C-DCBC-E337C1145BC9}"/>
-              </a:ext>
-            </a:extLst>
-          </p:cNvPr>
+          <p:cNvPr id="6" name="Picture 5"/>
           <p:cNvPicPr>
-            <a:picLocks noGrp="1" noChangeAspect="1"/>
+            <a:picLocks noChangeAspect="1"/>
           </p:cNvPicPr>
-          <p:nvPr>
-            <p:ph idx="1"/>
-          </p:nvPr>
+          <p:nvPr/>
         </p:nvPicPr>
         <p:blipFill>
-          <a:blip r:embed="rId2">
-            <a:extLst>
-              <a:ext uri="{28A0092B-C50C-407E-A947-70E740481C1C}">
-                <a14:useLocalDpi xmlns:a14="http://schemas.microsoft.com/office/drawing/2010/main" val="0"/>
-              </a:ext>
-            </a:extLst>
-          </a:blip>
+          <a:blip r:embed="rId2"/>
           <a:stretch>
             <a:fillRect/>
           </a:stretch>
         </p:blipFill>
         <p:spPr>
           <a:xfrm>
-            <a:off x="1850844" y="3322386"/>
-            <a:ext cx="8171634" cy="3144608"/>
+            <a:off x="2804161" y="3322386"/>
+            <a:ext cx="7306490" cy="3365797"/>
           </a:xfrm>
+          <a:prstGeom prst="rect">
+            <a:avLst/>
+          </a:prstGeom>
         </p:spPr>
       </p:pic>
     </p:spTree>
